--- a/Dokumentasi/rev/Revisi 3b lanjutan.pptx
+++ b/Dokumentasi/rev/Revisi 3b lanjutan.pptx
@@ -300,7 +300,7 @@
     </p:spTree>
     <p:extLst>
       <p:ext uri="{BB962C8B-B14F-4D97-AF65-F5344CB8AC3E}">
-        <p14:creationId xmlns:p14="http://schemas.microsoft.com/office/powerpoint/2010/main" xmlns="" val="653033583"/>
+        <p14:creationId xmlns="" xmlns:p14="http://schemas.microsoft.com/office/powerpoint/2010/main" val="653033583"/>
       </p:ext>
     </p:extLst>
   </p:cSld>
@@ -472,7 +472,7 @@
     </p:spTree>
     <p:extLst>
       <p:ext uri="{BB962C8B-B14F-4D97-AF65-F5344CB8AC3E}">
-        <p14:creationId xmlns:p14="http://schemas.microsoft.com/office/powerpoint/2010/main" xmlns="" val="3793450467"/>
+        <p14:creationId xmlns="" xmlns:p14="http://schemas.microsoft.com/office/powerpoint/2010/main" val="3793450467"/>
       </p:ext>
     </p:extLst>
   </p:cSld>
@@ -654,7 +654,7 @@
     </p:spTree>
     <p:extLst>
       <p:ext uri="{BB962C8B-B14F-4D97-AF65-F5344CB8AC3E}">
-        <p14:creationId xmlns:p14="http://schemas.microsoft.com/office/powerpoint/2010/main" xmlns="" val="4207195797"/>
+        <p14:creationId xmlns="" xmlns:p14="http://schemas.microsoft.com/office/powerpoint/2010/main" val="4207195797"/>
       </p:ext>
     </p:extLst>
   </p:cSld>
@@ -826,7 +826,7 @@
     </p:spTree>
     <p:extLst>
       <p:ext uri="{BB962C8B-B14F-4D97-AF65-F5344CB8AC3E}">
-        <p14:creationId xmlns:p14="http://schemas.microsoft.com/office/powerpoint/2010/main" xmlns="" val="2262281486"/>
+        <p14:creationId xmlns="" xmlns:p14="http://schemas.microsoft.com/office/powerpoint/2010/main" val="2262281486"/>
       </p:ext>
     </p:extLst>
   </p:cSld>
@@ -1074,7 +1074,7 @@
     </p:spTree>
     <p:extLst>
       <p:ext uri="{BB962C8B-B14F-4D97-AF65-F5344CB8AC3E}">
-        <p14:creationId xmlns:p14="http://schemas.microsoft.com/office/powerpoint/2010/main" xmlns="" val="2007973976"/>
+        <p14:creationId xmlns="" xmlns:p14="http://schemas.microsoft.com/office/powerpoint/2010/main" val="2007973976"/>
       </p:ext>
     </p:extLst>
   </p:cSld>
@@ -1308,7 +1308,7 @@
     </p:spTree>
     <p:extLst>
       <p:ext uri="{BB962C8B-B14F-4D97-AF65-F5344CB8AC3E}">
-        <p14:creationId xmlns:p14="http://schemas.microsoft.com/office/powerpoint/2010/main" xmlns="" val="3186418913"/>
+        <p14:creationId xmlns="" xmlns:p14="http://schemas.microsoft.com/office/powerpoint/2010/main" val="3186418913"/>
       </p:ext>
     </p:extLst>
   </p:cSld>
@@ -1677,7 +1677,7 @@
     </p:spTree>
     <p:extLst>
       <p:ext uri="{BB962C8B-B14F-4D97-AF65-F5344CB8AC3E}">
-        <p14:creationId xmlns:p14="http://schemas.microsoft.com/office/powerpoint/2010/main" xmlns="" val="887076168"/>
+        <p14:creationId xmlns="" xmlns:p14="http://schemas.microsoft.com/office/powerpoint/2010/main" val="887076168"/>
       </p:ext>
     </p:extLst>
   </p:cSld>
@@ -1797,7 +1797,7 @@
     </p:spTree>
     <p:extLst>
       <p:ext uri="{BB962C8B-B14F-4D97-AF65-F5344CB8AC3E}">
-        <p14:creationId xmlns:p14="http://schemas.microsoft.com/office/powerpoint/2010/main" xmlns="" val="1432058712"/>
+        <p14:creationId xmlns="" xmlns:p14="http://schemas.microsoft.com/office/powerpoint/2010/main" val="1432058712"/>
       </p:ext>
     </p:extLst>
   </p:cSld>
@@ -1894,7 +1894,7 @@
     </p:spTree>
     <p:extLst>
       <p:ext uri="{BB962C8B-B14F-4D97-AF65-F5344CB8AC3E}">
-        <p14:creationId xmlns:p14="http://schemas.microsoft.com/office/powerpoint/2010/main" xmlns="" val="1235130144"/>
+        <p14:creationId xmlns="" xmlns:p14="http://schemas.microsoft.com/office/powerpoint/2010/main" val="1235130144"/>
       </p:ext>
     </p:extLst>
   </p:cSld>
@@ -2173,7 +2173,7 @@
     </p:spTree>
     <p:extLst>
       <p:ext uri="{BB962C8B-B14F-4D97-AF65-F5344CB8AC3E}">
-        <p14:creationId xmlns:p14="http://schemas.microsoft.com/office/powerpoint/2010/main" xmlns="" val="66244631"/>
+        <p14:creationId xmlns="" xmlns:p14="http://schemas.microsoft.com/office/powerpoint/2010/main" val="66244631"/>
       </p:ext>
     </p:extLst>
   </p:cSld>
@@ -2428,7 +2428,7 @@
     </p:spTree>
     <p:extLst>
       <p:ext uri="{BB962C8B-B14F-4D97-AF65-F5344CB8AC3E}">
-        <p14:creationId xmlns:p14="http://schemas.microsoft.com/office/powerpoint/2010/main" xmlns="" val="3071888147"/>
+        <p14:creationId xmlns="" xmlns:p14="http://schemas.microsoft.com/office/powerpoint/2010/main" val="3071888147"/>
       </p:ext>
     </p:extLst>
   </p:cSld>
@@ -2679,7 +2679,7 @@
     </p:spTree>
     <p:extLst>
       <p:ext uri="{BB962C8B-B14F-4D97-AF65-F5344CB8AC3E}">
-        <p14:creationId xmlns:p14="http://schemas.microsoft.com/office/powerpoint/2010/main" xmlns="" val="1160695112"/>
+        <p14:creationId xmlns="" xmlns:p14="http://schemas.microsoft.com/office/powerpoint/2010/main" val="1160695112"/>
       </p:ext>
     </p:extLst>
   </p:cSld>
@@ -3136,7 +3136,7 @@
     </p:spTree>
     <p:extLst>
       <p:ext uri="{BB962C8B-B14F-4D97-AF65-F5344CB8AC3E}">
-        <p14:creationId xmlns:p14="http://schemas.microsoft.com/office/powerpoint/2010/main" xmlns="" val="2752853028"/>
+        <p14:creationId xmlns="" xmlns:p14="http://schemas.microsoft.com/office/powerpoint/2010/main" val="2752853028"/>
       </p:ext>
     </p:extLst>
   </p:cSld>
@@ -3179,42 +3179,102 @@
           <a:lstStyle/>
           <a:p>
             <a:r>
-              <a:rPr lang="en-US" dirty="0" err="1" smtClean="0"/>
+              <a:rPr lang="en-US" dirty="0" err="1" smtClean="0">
+                <a:solidFill>
+                  <a:schemeClr val="accent1">
+                    <a:lumMod val="50000"/>
+                  </a:schemeClr>
+                </a:solidFill>
+              </a:rPr>
               <a:t>Tambahan</a:t>
             </a:r>
             <a:r>
-              <a:rPr lang="en-US" dirty="0" smtClean="0"/>
-              <a:t> </a:t>
-            </a:r>
-            <a:r>
-              <a:rPr lang="en-US" dirty="0" err="1" smtClean="0"/>
+              <a:rPr lang="en-US" dirty="0" smtClean="0">
+                <a:solidFill>
+                  <a:schemeClr val="accent1">
+                    <a:lumMod val="50000"/>
+                  </a:schemeClr>
+                </a:solidFill>
+              </a:rPr>
+              <a:t> </a:t>
+            </a:r>
+            <a:r>
+              <a:rPr lang="en-US" dirty="0" err="1" smtClean="0">
+                <a:solidFill>
+                  <a:schemeClr val="accent1">
+                    <a:lumMod val="50000"/>
+                  </a:schemeClr>
+                </a:solidFill>
+              </a:rPr>
               <a:t>Kolom</a:t>
             </a:r>
             <a:r>
-              <a:rPr lang="en-US" dirty="0" smtClean="0"/>
-              <a:t> </a:t>
-            </a:r>
-            <a:r>
-              <a:rPr lang="en-US" dirty="0" err="1" smtClean="0"/>
+              <a:rPr lang="en-US" dirty="0" smtClean="0">
+                <a:solidFill>
+                  <a:schemeClr val="accent1">
+                    <a:lumMod val="50000"/>
+                  </a:schemeClr>
+                </a:solidFill>
+              </a:rPr>
+              <a:t> </a:t>
+            </a:r>
+            <a:r>
+              <a:rPr lang="en-US" dirty="0" err="1" smtClean="0">
+                <a:solidFill>
+                  <a:schemeClr val="accent1">
+                    <a:lumMod val="50000"/>
+                  </a:schemeClr>
+                </a:solidFill>
+              </a:rPr>
               <a:t>pada</a:t>
             </a:r>
             <a:r>
-              <a:rPr lang="en-US" dirty="0" smtClean="0"/>
-              <a:t> </a:t>
-            </a:r>
-            <a:r>
-              <a:rPr lang="en-US" dirty="0" err="1" smtClean="0"/>
+              <a:rPr lang="en-US" dirty="0" smtClean="0">
+                <a:solidFill>
+                  <a:schemeClr val="accent1">
+                    <a:lumMod val="50000"/>
+                  </a:schemeClr>
+                </a:solidFill>
+              </a:rPr>
+              <a:t> </a:t>
+            </a:r>
+            <a:r>
+              <a:rPr lang="en-US" dirty="0" err="1" smtClean="0">
+                <a:solidFill>
+                  <a:schemeClr val="accent1">
+                    <a:lumMod val="50000"/>
+                  </a:schemeClr>
+                </a:solidFill>
+              </a:rPr>
               <a:t>fitur</a:t>
             </a:r>
             <a:r>
-              <a:rPr lang="en-US" dirty="0" smtClean="0"/>
-              <a:t> </a:t>
-            </a:r>
-            <a:r>
-              <a:rPr lang="en-US" dirty="0" err="1" smtClean="0"/>
+              <a:rPr lang="en-US" dirty="0" smtClean="0">
+                <a:solidFill>
+                  <a:schemeClr val="accent1">
+                    <a:lumMod val="50000"/>
+                  </a:schemeClr>
+                </a:solidFill>
+              </a:rPr>
+              <a:t> </a:t>
+            </a:r>
+            <a:r>
+              <a:rPr lang="en-US" dirty="0" err="1" smtClean="0">
+                <a:solidFill>
+                  <a:schemeClr val="accent1">
+                    <a:lumMod val="50000"/>
+                  </a:schemeClr>
+                </a:solidFill>
+              </a:rPr>
               <a:t>sertifikat</a:t>
             </a:r>
-            <a:endParaRPr lang="en-US" dirty="0"/>
+            <a:endParaRPr lang="en-US" dirty="0">
+              <a:solidFill>
+                <a:schemeClr val="accent1">
+                  <a:lumMod val="50000"/>
+                </a:schemeClr>
+              </a:solidFill>
+            </a:endParaRPr>
           </a:p>
         </p:txBody>
       </p:sp>
@@ -3443,7 +3503,7 @@
     </p:spTree>
     <p:extLst>
       <p:ext uri="{BB962C8B-B14F-4D97-AF65-F5344CB8AC3E}">
-        <p14:creationId xmlns:p14="http://schemas.microsoft.com/office/powerpoint/2010/main" xmlns="" val="859938840"/>
+        <p14:creationId xmlns="" xmlns:p14="http://schemas.microsoft.com/office/powerpoint/2010/main" val="859938840"/>
       </p:ext>
     </p:extLst>
   </p:cSld>
@@ -3665,7 +3725,7 @@
     </p:spTree>
     <p:extLst>
       <p:ext uri="{BB962C8B-B14F-4D97-AF65-F5344CB8AC3E}">
-        <p14:creationId xmlns:p14="http://schemas.microsoft.com/office/powerpoint/2010/main" xmlns="" val="1076904046"/>
+        <p14:creationId xmlns="" xmlns:p14="http://schemas.microsoft.com/office/powerpoint/2010/main" val="1076904046"/>
       </p:ext>
     </p:extLst>
   </p:cSld>
@@ -3708,38 +3768,92 @@
           <a:lstStyle/>
           <a:p>
             <a:r>
-              <a:rPr lang="en-US" dirty="0" err="1" smtClean="0"/>
+              <a:rPr lang="en-US" dirty="0" err="1" smtClean="0">
+                <a:solidFill>
+                  <a:schemeClr val="accent1">
+                    <a:lumMod val="50000"/>
+                  </a:schemeClr>
+                </a:solidFill>
+              </a:rPr>
               <a:t>Skema</a:t>
             </a:r>
             <a:r>
-              <a:rPr lang="en-US" dirty="0" smtClean="0"/>
+              <a:rPr lang="en-US" dirty="0" smtClean="0">
+                <a:solidFill>
+                  <a:schemeClr val="accent1">
+                    <a:lumMod val="50000"/>
+                  </a:schemeClr>
+                </a:solidFill>
+              </a:rPr>
               <a:t> 1 (MT06 </a:t>
             </a:r>
             <a:r>
-              <a:rPr lang="en-US" dirty="0" err="1" smtClean="0"/>
+              <a:rPr lang="en-US" dirty="0" err="1" smtClean="0">
+                <a:solidFill>
+                  <a:schemeClr val="accent1">
+                    <a:lumMod val="50000"/>
+                  </a:schemeClr>
+                </a:solidFill>
+              </a:rPr>
               <a:t>ceklist</a:t>
             </a:r>
             <a:r>
-              <a:rPr lang="en-US" dirty="0" smtClean="0"/>
-              <a:t> </a:t>
-            </a:r>
-            <a:r>
-              <a:rPr lang="en-US" dirty="0" err="1" smtClean="0"/>
+              <a:rPr lang="en-US" dirty="0" smtClean="0">
+                <a:solidFill>
+                  <a:schemeClr val="accent1">
+                    <a:lumMod val="50000"/>
+                  </a:schemeClr>
+                </a:solidFill>
+              </a:rPr>
+              <a:t> </a:t>
+            </a:r>
+            <a:r>
+              <a:rPr lang="en-US" dirty="0" err="1" smtClean="0">
+                <a:solidFill>
+                  <a:schemeClr val="accent1">
+                    <a:lumMod val="50000"/>
+                  </a:schemeClr>
+                </a:solidFill>
+              </a:rPr>
               <a:t>bakteriologi</a:t>
             </a:r>
             <a:r>
-              <a:rPr lang="en-US" dirty="0" smtClean="0"/>
-              <a:t> </a:t>
-            </a:r>
-            <a:r>
-              <a:rPr lang="en-US" dirty="0" err="1" smtClean="0"/>
+              <a:rPr lang="en-US" dirty="0" smtClean="0">
+                <a:solidFill>
+                  <a:schemeClr val="accent1">
+                    <a:lumMod val="50000"/>
+                  </a:schemeClr>
+                </a:solidFill>
+              </a:rPr>
+              <a:t> </a:t>
+            </a:r>
+            <a:r>
+              <a:rPr lang="en-US" dirty="0" err="1" smtClean="0">
+                <a:solidFill>
+                  <a:schemeClr val="accent1">
+                    <a:lumMod val="50000"/>
+                  </a:schemeClr>
+                </a:solidFill>
+              </a:rPr>
               <a:t>saja</a:t>
             </a:r>
             <a:r>
-              <a:rPr lang="en-US" dirty="0" smtClean="0"/>
+              <a:rPr lang="en-US" dirty="0" smtClean="0">
+                <a:solidFill>
+                  <a:schemeClr val="accent1">
+                    <a:lumMod val="50000"/>
+                  </a:schemeClr>
+                </a:solidFill>
+              </a:rPr>
               <a:t>)</a:t>
             </a:r>
-            <a:endParaRPr lang="en-US" dirty="0"/>
+            <a:endParaRPr lang="en-US" dirty="0">
+              <a:solidFill>
+                <a:schemeClr val="accent1">
+                  <a:lumMod val="50000"/>
+                </a:schemeClr>
+              </a:solidFill>
+            </a:endParaRPr>
           </a:p>
         </p:txBody>
       </p:sp>
@@ -3756,7 +3870,7 @@
         <p:spPr/>
         <p:txBody>
           <a:bodyPr>
-            <a:normAutofit fontScale="70000" lnSpcReduction="20000"/>
+            <a:normAutofit fontScale="55000" lnSpcReduction="20000"/>
           </a:bodyPr>
           <a:lstStyle/>
           <a:p>
@@ -3785,86 +3899,211 @@
               <a:buNone/>
             </a:pPr>
             <a:r>
-              <a:rPr lang="en-US" dirty="0" smtClean="0"/>
+              <a:rPr lang="en-US" dirty="0" smtClean="0">
+                <a:solidFill>
+                  <a:srgbClr val="0070C0"/>
+                </a:solidFill>
+              </a:rPr>
               <a:t>Sample </a:t>
             </a:r>
             <a:r>
-              <a:rPr lang="en-US" dirty="0" err="1" smtClean="0"/>
+              <a:rPr lang="en-US" dirty="0" err="1" smtClean="0">
+                <a:solidFill>
+                  <a:srgbClr val="0070C0"/>
+                </a:solidFill>
+              </a:rPr>
               <a:t>muncul</a:t>
             </a:r>
             <a:r>
-              <a:rPr lang="en-US" dirty="0" smtClean="0"/>
+              <a:rPr lang="en-US" dirty="0" smtClean="0">
+                <a:solidFill>
+                  <a:srgbClr val="0070C0"/>
+                </a:solidFill>
+              </a:rPr>
               <a:t> di MT08A </a:t>
             </a:r>
             <a:r>
-              <a:rPr lang="en-US" dirty="0" err="1" smtClean="0"/>
+              <a:rPr lang="en-US" dirty="0" err="1" smtClean="0">
+                <a:solidFill>
+                  <a:srgbClr val="0070C0"/>
+                </a:solidFill>
+              </a:rPr>
               <a:t>lalu</a:t>
             </a:r>
             <a:r>
-              <a:rPr lang="en-US" dirty="0" smtClean="0"/>
+              <a:rPr lang="en-US" dirty="0" smtClean="0">
+                <a:solidFill>
+                  <a:srgbClr val="0070C0"/>
+                </a:solidFill>
+              </a:rPr>
               <a:t> form MT08A </a:t>
             </a:r>
             <a:r>
-              <a:rPr lang="en-US" dirty="0" err="1" smtClean="0"/>
+              <a:rPr lang="en-US" dirty="0" err="1" smtClean="0">
+                <a:solidFill>
+                  <a:srgbClr val="0070C0"/>
+                </a:solidFill>
+              </a:rPr>
               <a:t>diisi</a:t>
             </a:r>
             <a:r>
-              <a:rPr lang="en-US" dirty="0" smtClean="0"/>
-              <a:t> </a:t>
-            </a:r>
-            <a:r>
-              <a:rPr lang="en-US" dirty="0" err="1" smtClean="0"/>
+              <a:rPr lang="en-US" dirty="0" smtClean="0">
+                <a:solidFill>
+                  <a:srgbClr val="0070C0"/>
+                </a:solidFill>
+              </a:rPr>
+              <a:t> </a:t>
+            </a:r>
+            <a:r>
+              <a:rPr lang="en-US" dirty="0" err="1" smtClean="0">
+                <a:solidFill>
+                  <a:srgbClr val="0070C0"/>
+                </a:solidFill>
+              </a:rPr>
               <a:t>oleh</a:t>
             </a:r>
             <a:r>
-              <a:rPr lang="en-US" dirty="0" smtClean="0"/>
+              <a:rPr lang="en-US" dirty="0" smtClean="0">
+                <a:solidFill>
+                  <a:srgbClr val="0070C0"/>
+                </a:solidFill>
+              </a:rPr>
               <a:t> admin </a:t>
             </a:r>
             <a:r>
-              <a:rPr lang="en-US" dirty="0" err="1" smtClean="0"/>
+              <a:rPr lang="en-US" dirty="0" err="1" smtClean="0">
+                <a:solidFill>
+                  <a:srgbClr val="0070C0"/>
+                </a:solidFill>
+              </a:rPr>
               <a:t>bakteriologi</a:t>
             </a:r>
             <a:r>
-              <a:rPr lang="en-US" dirty="0" smtClean="0"/>
+              <a:rPr lang="en-US" dirty="0" smtClean="0">
+                <a:solidFill>
+                  <a:srgbClr val="0070C0"/>
+                </a:solidFill>
+              </a:rPr>
               <a:t> (biologic) -&gt; QA approved -&gt; </a:t>
             </a:r>
             <a:r>
-              <a:rPr lang="en-US" dirty="0" err="1" smtClean="0"/>
+              <a:rPr lang="en-US" dirty="0" err="1" smtClean="0">
+                <a:solidFill>
+                  <a:srgbClr val="0070C0"/>
+                </a:solidFill>
+              </a:rPr>
               <a:t>yanji</a:t>
             </a:r>
             <a:r>
-              <a:rPr lang="en-US" dirty="0" smtClean="0"/>
+              <a:rPr lang="en-US" dirty="0" smtClean="0">
+                <a:solidFill>
+                  <a:srgbClr val="0070C0"/>
+                </a:solidFill>
+              </a:rPr>
               <a:t> approved -&gt; </a:t>
             </a:r>
             <a:r>
-              <a:rPr lang="en-US" dirty="0" err="1" smtClean="0"/>
+              <a:rPr lang="en-US" dirty="0" err="1" smtClean="0">
+                <a:solidFill>
+                  <a:srgbClr val="0070C0"/>
+                </a:solidFill>
+              </a:rPr>
               <a:t>yanji</a:t>
             </a:r>
             <a:r>
-              <a:rPr lang="en-US" dirty="0" smtClean="0"/>
-              <a:t> </a:t>
-            </a:r>
-            <a:r>
-              <a:rPr lang="en-US" dirty="0" err="1" smtClean="0"/>
+              <a:rPr lang="en-US" dirty="0" smtClean="0">
+                <a:solidFill>
+                  <a:srgbClr val="0070C0"/>
+                </a:solidFill>
+              </a:rPr>
+              <a:t> </a:t>
+            </a:r>
+            <a:r>
+              <a:rPr lang="en-US" dirty="0" err="1" smtClean="0">
+                <a:solidFill>
+                  <a:srgbClr val="0070C0"/>
+                </a:solidFill>
+              </a:rPr>
               <a:t>bisa</a:t>
             </a:r>
             <a:r>
-              <a:rPr lang="en-US" dirty="0" smtClean="0"/>
-              <a:t> </a:t>
-            </a:r>
-            <a:r>
-              <a:rPr lang="en-US" dirty="0" err="1" smtClean="0"/>
+              <a:rPr lang="en-US" dirty="0" smtClean="0">
+                <a:solidFill>
+                  <a:srgbClr val="0070C0"/>
+                </a:solidFill>
+              </a:rPr>
+              <a:t> </a:t>
+            </a:r>
+            <a:r>
+              <a:rPr lang="en-US" dirty="0" err="1" smtClean="0">
+                <a:solidFill>
+                  <a:srgbClr val="0070C0"/>
+                </a:solidFill>
+              </a:rPr>
               <a:t>membuat</a:t>
             </a:r>
             <a:r>
-              <a:rPr lang="en-US" dirty="0" smtClean="0"/>
-              <a:t> </a:t>
-            </a:r>
-            <a:r>
-              <a:rPr lang="en-US" dirty="0" err="1" smtClean="0"/>
+              <a:rPr lang="en-US" dirty="0" smtClean="0">
+                <a:solidFill>
+                  <a:srgbClr val="0070C0"/>
+                </a:solidFill>
+              </a:rPr>
+              <a:t> </a:t>
+            </a:r>
+            <a:r>
+              <a:rPr lang="en-US" dirty="0" err="1" smtClean="0">
+                <a:solidFill>
+                  <a:srgbClr val="0070C0"/>
+                </a:solidFill>
+              </a:rPr>
               <a:t>sertifikat</a:t>
             </a:r>
-            <a:endParaRPr lang="en-US" dirty="0" smtClean="0"/>
+            <a:endParaRPr lang="id-ID" dirty="0" smtClean="0">
+              <a:solidFill>
+                <a:srgbClr val="0070C0"/>
+              </a:solidFill>
+            </a:endParaRPr>
+          </a:p>
+          <a:p>
+            <a:pPr marL="0" indent="0">
+              <a:buNone/>
+            </a:pPr>
+            <a:endParaRPr lang="id-ID" dirty="0" smtClean="0"/>
+          </a:p>
+          <a:p>
+            <a:pPr marL="0" indent="0">
+              <a:buNone/>
+            </a:pPr>
+            <a:r>
+              <a:rPr lang="id-ID" dirty="0" smtClean="0">
+                <a:solidFill>
+                  <a:srgbClr val="00B050"/>
+                </a:solidFill>
+              </a:rPr>
+              <a:t>Approve bebas, bisa yanji dulu atau qa dlu</a:t>
+            </a:r>
+          </a:p>
+          <a:p>
+            <a:pPr marL="0" indent="0">
+              <a:buNone/>
+            </a:pPr>
+            <a:r>
+              <a:rPr lang="id-ID" dirty="0" smtClean="0">
+                <a:solidFill>
+                  <a:srgbClr val="00B050"/>
+                </a:solidFill>
+              </a:rPr>
+              <a:t>Contoh : </a:t>
+            </a:r>
+            <a:r>
+              <a:rPr lang="id-ID" dirty="0" smtClean="0"/>
+              <a:t>R00014</a:t>
+            </a:r>
+            <a:endParaRPr lang="en-US" dirty="0" smtClean="0">
+              <a:solidFill>
+                <a:srgbClr val="00B050"/>
+              </a:solidFill>
+            </a:endParaRPr>
           </a:p>
           <a:p>
             <a:pPr marL="0" indent="0">
@@ -3903,111 +4142,219 @@
               <a:buNone/>
             </a:pPr>
             <a:r>
-              <a:rPr lang="en-US" dirty="0" smtClean="0"/>
+              <a:rPr lang="en-US" dirty="0" smtClean="0">
+                <a:solidFill>
+                  <a:srgbClr val="0070C0"/>
+                </a:solidFill>
+              </a:rPr>
               <a:t>MT08A </a:t>
             </a:r>
             <a:r>
-              <a:rPr lang="en-US" dirty="0" err="1" smtClean="0"/>
+              <a:rPr lang="en-US" dirty="0" err="1" smtClean="0">
+                <a:solidFill>
+                  <a:srgbClr val="0070C0"/>
+                </a:solidFill>
+              </a:rPr>
               <a:t>aktif</a:t>
             </a:r>
             <a:r>
-              <a:rPr lang="en-US" dirty="0" smtClean="0"/>
-              <a:t> </a:t>
-            </a:r>
-            <a:r>
-              <a:rPr lang="en-US" dirty="0" err="1" smtClean="0"/>
+              <a:rPr lang="en-US" dirty="0" smtClean="0">
+                <a:solidFill>
+                  <a:srgbClr val="0070C0"/>
+                </a:solidFill>
+              </a:rPr>
+              <a:t> </a:t>
+            </a:r>
+            <a:r>
+              <a:rPr lang="en-US" dirty="0" err="1" smtClean="0">
+                <a:solidFill>
+                  <a:srgbClr val="0070C0"/>
+                </a:solidFill>
+              </a:rPr>
               <a:t>untuk</a:t>
             </a:r>
             <a:r>
-              <a:rPr lang="en-US" dirty="0" smtClean="0"/>
-              <a:t> </a:t>
-            </a:r>
-            <a:r>
-              <a:rPr lang="en-US" dirty="0" err="1" smtClean="0"/>
+              <a:rPr lang="en-US" dirty="0" smtClean="0">
+                <a:solidFill>
+                  <a:srgbClr val="0070C0"/>
+                </a:solidFill>
+              </a:rPr>
+              <a:t> </a:t>
+            </a:r>
+            <a:r>
+              <a:rPr lang="en-US" dirty="0" err="1" smtClean="0">
+                <a:solidFill>
+                  <a:srgbClr val="0070C0"/>
+                </a:solidFill>
+              </a:rPr>
               <a:t>diisi</a:t>
             </a:r>
             <a:r>
-              <a:rPr lang="en-US" dirty="0" smtClean="0"/>
-              <a:t> </a:t>
-            </a:r>
-            <a:r>
-              <a:rPr lang="en-US" dirty="0" err="1" smtClean="0"/>
+              <a:rPr lang="en-US" dirty="0" smtClean="0">
+                <a:solidFill>
+                  <a:srgbClr val="0070C0"/>
+                </a:solidFill>
+              </a:rPr>
+              <a:t> </a:t>
+            </a:r>
+            <a:r>
+              <a:rPr lang="en-US" dirty="0" err="1" smtClean="0">
+                <a:solidFill>
+                  <a:srgbClr val="0070C0"/>
+                </a:solidFill>
+              </a:rPr>
               <a:t>oleh</a:t>
             </a:r>
             <a:r>
-              <a:rPr lang="en-US" dirty="0" smtClean="0"/>
+              <a:rPr lang="en-US" dirty="0" smtClean="0">
+                <a:solidFill>
+                  <a:srgbClr val="0070C0"/>
+                </a:solidFill>
+              </a:rPr>
               <a:t> admin </a:t>
             </a:r>
             <a:r>
-              <a:rPr lang="en-US" dirty="0" err="1" smtClean="0"/>
+              <a:rPr lang="en-US" dirty="0" err="1" smtClean="0">
+                <a:solidFill>
+                  <a:srgbClr val="0070C0"/>
+                </a:solidFill>
+              </a:rPr>
               <a:t>bakteriologi</a:t>
             </a:r>
             <a:r>
-              <a:rPr lang="en-US" dirty="0" smtClean="0"/>
+              <a:rPr lang="en-US" dirty="0" smtClean="0">
+                <a:solidFill>
+                  <a:srgbClr val="0070C0"/>
+                </a:solidFill>
+              </a:rPr>
               <a:t> (biologic) -&gt; QA approved -&gt; </a:t>
             </a:r>
             <a:r>
-              <a:rPr lang="en-US" dirty="0" err="1" smtClean="0"/>
+              <a:rPr lang="en-US" dirty="0" err="1" smtClean="0">
+                <a:solidFill>
+                  <a:srgbClr val="0070C0"/>
+                </a:solidFill>
+              </a:rPr>
               <a:t>yanji</a:t>
             </a:r>
             <a:r>
-              <a:rPr lang="en-US" dirty="0" smtClean="0"/>
+              <a:rPr lang="en-US" dirty="0" smtClean="0">
+                <a:solidFill>
+                  <a:srgbClr val="0070C0"/>
+                </a:solidFill>
+              </a:rPr>
               <a:t> approved -&gt; </a:t>
             </a:r>
             <a:r>
-              <a:rPr lang="en-US" dirty="0" err="1" smtClean="0"/>
+              <a:rPr lang="en-US" dirty="0" err="1" smtClean="0">
+                <a:solidFill>
+                  <a:srgbClr val="0070C0"/>
+                </a:solidFill>
+              </a:rPr>
               <a:t>yanji</a:t>
             </a:r>
             <a:r>
-              <a:rPr lang="en-US" dirty="0" smtClean="0"/>
-              <a:t> </a:t>
-            </a:r>
-            <a:r>
-              <a:rPr lang="en-US" dirty="0" err="1" smtClean="0"/>
+              <a:rPr lang="en-US" dirty="0" smtClean="0">
+                <a:solidFill>
+                  <a:srgbClr val="0070C0"/>
+                </a:solidFill>
+              </a:rPr>
+              <a:t> </a:t>
+            </a:r>
+            <a:r>
+              <a:rPr lang="en-US" dirty="0" err="1" smtClean="0">
+                <a:solidFill>
+                  <a:srgbClr val="0070C0"/>
+                </a:solidFill>
+              </a:rPr>
               <a:t>tidak</a:t>
             </a:r>
             <a:r>
-              <a:rPr lang="en-US" dirty="0" smtClean="0"/>
-              <a:t> </a:t>
-            </a:r>
-            <a:r>
-              <a:rPr lang="en-US" dirty="0" err="1" smtClean="0"/>
+              <a:rPr lang="en-US" dirty="0" smtClean="0">
+                <a:solidFill>
+                  <a:srgbClr val="0070C0"/>
+                </a:solidFill>
+              </a:rPr>
+              <a:t> </a:t>
+            </a:r>
+            <a:r>
+              <a:rPr lang="en-US" dirty="0" err="1" smtClean="0">
+                <a:solidFill>
+                  <a:srgbClr val="0070C0"/>
+                </a:solidFill>
+              </a:rPr>
               <a:t>bisa</a:t>
             </a:r>
             <a:r>
-              <a:rPr lang="en-US" dirty="0" smtClean="0"/>
-              <a:t> </a:t>
-            </a:r>
-            <a:r>
-              <a:rPr lang="en-US" dirty="0" err="1" smtClean="0"/>
+              <a:rPr lang="en-US" dirty="0" smtClean="0">
+                <a:solidFill>
+                  <a:srgbClr val="0070C0"/>
+                </a:solidFill>
+              </a:rPr>
+              <a:t> </a:t>
+            </a:r>
+            <a:r>
+              <a:rPr lang="en-US" dirty="0" err="1" smtClean="0">
+                <a:solidFill>
+                  <a:srgbClr val="0070C0"/>
+                </a:solidFill>
+              </a:rPr>
               <a:t>membuat</a:t>
             </a:r>
             <a:r>
-              <a:rPr lang="en-US" dirty="0" smtClean="0"/>
-              <a:t> </a:t>
-            </a:r>
-            <a:r>
-              <a:rPr lang="en-US" dirty="0" err="1" smtClean="0"/>
+              <a:rPr lang="en-US" dirty="0" smtClean="0">
+                <a:solidFill>
+                  <a:srgbClr val="0070C0"/>
+                </a:solidFill>
+              </a:rPr>
+              <a:t> </a:t>
+            </a:r>
+            <a:r>
+              <a:rPr lang="en-US" dirty="0" err="1" smtClean="0">
+                <a:solidFill>
+                  <a:srgbClr val="0070C0"/>
+                </a:solidFill>
+              </a:rPr>
               <a:t>sertifikat</a:t>
             </a:r>
             <a:r>
-              <a:rPr lang="en-US" dirty="0" smtClean="0"/>
+              <a:rPr lang="en-US" dirty="0" smtClean="0">
+                <a:solidFill>
+                  <a:srgbClr val="0070C0"/>
+                </a:solidFill>
+              </a:rPr>
               <a:t> (</a:t>
             </a:r>
             <a:r>
-              <a:rPr lang="en-US" dirty="0" err="1" smtClean="0"/>
+              <a:rPr lang="en-US" dirty="0" err="1" smtClean="0">
+                <a:solidFill>
+                  <a:srgbClr val="0070C0"/>
+                </a:solidFill>
+              </a:rPr>
               <a:t>tidak</a:t>
             </a:r>
             <a:r>
-              <a:rPr lang="en-US" dirty="0" smtClean="0"/>
-              <a:t> </a:t>
-            </a:r>
-            <a:r>
-              <a:rPr lang="en-US" dirty="0" err="1" smtClean="0"/>
+              <a:rPr lang="en-US" dirty="0" smtClean="0">
+                <a:solidFill>
+                  <a:srgbClr val="0070C0"/>
+                </a:solidFill>
+              </a:rPr>
+              <a:t> </a:t>
+            </a:r>
+            <a:r>
+              <a:rPr lang="en-US" dirty="0" err="1" smtClean="0">
+                <a:solidFill>
+                  <a:srgbClr val="0070C0"/>
+                </a:solidFill>
+              </a:rPr>
               <a:t>ada</a:t>
             </a:r>
             <a:r>
-              <a:rPr lang="en-US" dirty="0" smtClean="0"/>
+              <a:rPr lang="en-US" dirty="0" smtClean="0">
+                <a:solidFill>
+                  <a:srgbClr val="0070C0"/>
+                </a:solidFill>
+              </a:rPr>
               <a:t> di list)</a:t>
             </a:r>
           </a:p>
@@ -4016,75 +4363,147 @@
               <a:buNone/>
             </a:pPr>
             <a:r>
-              <a:rPr lang="en-US" dirty="0" err="1" smtClean="0"/>
+              <a:rPr lang="en-US" dirty="0" err="1" smtClean="0">
+                <a:solidFill>
+                  <a:srgbClr val="0070C0"/>
+                </a:solidFill>
+              </a:rPr>
               <a:t>Gw</a:t>
             </a:r>
             <a:r>
-              <a:rPr lang="en-US" dirty="0" smtClean="0"/>
-              <a:t> </a:t>
-            </a:r>
-            <a:r>
-              <a:rPr lang="en-US" dirty="0" err="1" smtClean="0"/>
+              <a:rPr lang="en-US" dirty="0" smtClean="0">
+                <a:solidFill>
+                  <a:srgbClr val="0070C0"/>
+                </a:solidFill>
+              </a:rPr>
+              <a:t> </a:t>
+            </a:r>
+            <a:r>
+              <a:rPr lang="en-US" dirty="0" err="1" smtClean="0">
+                <a:solidFill>
+                  <a:srgbClr val="0070C0"/>
+                </a:solidFill>
+              </a:rPr>
               <a:t>cb</a:t>
             </a:r>
             <a:r>
-              <a:rPr lang="en-US" dirty="0" smtClean="0"/>
+              <a:rPr lang="en-US" dirty="0" smtClean="0">
+                <a:solidFill>
+                  <a:srgbClr val="0070C0"/>
+                </a:solidFill>
+              </a:rPr>
               <a:t> login as virology </a:t>
             </a:r>
             <a:r>
-              <a:rPr lang="en-US" dirty="0" err="1" smtClean="0"/>
+              <a:rPr lang="en-US" dirty="0" err="1" smtClean="0">
+                <a:solidFill>
+                  <a:srgbClr val="0070C0"/>
+                </a:solidFill>
+              </a:rPr>
               <a:t>ternyata</a:t>
             </a:r>
             <a:r>
-              <a:rPr lang="en-US" dirty="0" smtClean="0"/>
+              <a:rPr lang="en-US" dirty="0" smtClean="0">
+                <a:solidFill>
+                  <a:srgbClr val="0070C0"/>
+                </a:solidFill>
+              </a:rPr>
               <a:t> MT08B </a:t>
             </a:r>
             <a:r>
-              <a:rPr lang="en-US" dirty="0" err="1" smtClean="0"/>
+              <a:rPr lang="en-US" dirty="0" err="1" smtClean="0">
+                <a:solidFill>
+                  <a:srgbClr val="0070C0"/>
+                </a:solidFill>
+              </a:rPr>
               <a:t>aktif</a:t>
             </a:r>
             <a:r>
-              <a:rPr lang="en-US" dirty="0" smtClean="0"/>
-              <a:t> </a:t>
-            </a:r>
-            <a:r>
-              <a:rPr lang="en-US" dirty="0" err="1" smtClean="0"/>
+              <a:rPr lang="en-US" dirty="0" smtClean="0">
+                <a:solidFill>
+                  <a:srgbClr val="0070C0"/>
+                </a:solidFill>
+              </a:rPr>
+              <a:t> </a:t>
+            </a:r>
+            <a:r>
+              <a:rPr lang="en-US" dirty="0" err="1" smtClean="0">
+                <a:solidFill>
+                  <a:srgbClr val="0070C0"/>
+                </a:solidFill>
+              </a:rPr>
               <a:t>juga</a:t>
             </a:r>
             <a:r>
-              <a:rPr lang="en-US" dirty="0" smtClean="0"/>
+              <a:rPr lang="en-US" dirty="0" smtClean="0">
+                <a:solidFill>
+                  <a:srgbClr val="0070C0"/>
+                </a:solidFill>
+              </a:rPr>
               <a:t>, </a:t>
             </a:r>
             <a:r>
-              <a:rPr lang="en-US" dirty="0" err="1" smtClean="0"/>
+              <a:rPr lang="en-US" dirty="0" err="1" smtClean="0">
+                <a:solidFill>
+                  <a:srgbClr val="0070C0"/>
+                </a:solidFill>
+              </a:rPr>
               <a:t>ada</a:t>
             </a:r>
             <a:r>
-              <a:rPr lang="en-US" dirty="0" smtClean="0"/>
+              <a:rPr lang="en-US" dirty="0" smtClean="0">
+                <a:solidFill>
+                  <a:srgbClr val="0070C0"/>
+                </a:solidFill>
+              </a:rPr>
               <a:t> list sample </a:t>
             </a:r>
             <a:r>
-              <a:rPr lang="en-US" dirty="0" err="1" smtClean="0"/>
+              <a:rPr lang="en-US" dirty="0" err="1" smtClean="0">
+                <a:solidFill>
+                  <a:srgbClr val="0070C0"/>
+                </a:solidFill>
+              </a:rPr>
               <a:t>walau</a:t>
             </a:r>
             <a:r>
-              <a:rPr lang="en-US" dirty="0" smtClean="0"/>
+              <a:rPr lang="en-US" dirty="0" smtClean="0">
+                <a:solidFill>
+                  <a:srgbClr val="0070C0"/>
+                </a:solidFill>
+              </a:rPr>
               <a:t> virology </a:t>
             </a:r>
             <a:r>
-              <a:rPr lang="en-US" dirty="0" err="1" smtClean="0"/>
+              <a:rPr lang="en-US" dirty="0" err="1" smtClean="0">
+                <a:solidFill>
+                  <a:srgbClr val="0070C0"/>
+                </a:solidFill>
+              </a:rPr>
               <a:t>tidak</a:t>
             </a:r>
             <a:r>
-              <a:rPr lang="en-US" dirty="0" smtClean="0"/>
+              <a:rPr lang="en-US" dirty="0" smtClean="0">
+                <a:solidFill>
+                  <a:srgbClr val="0070C0"/>
+                </a:solidFill>
+              </a:rPr>
               <a:t> di </a:t>
             </a:r>
             <a:r>
-              <a:rPr lang="en-US" dirty="0" err="1" smtClean="0"/>
+              <a:rPr lang="en-US" dirty="0" err="1" smtClean="0">
+                <a:solidFill>
+                  <a:srgbClr val="0070C0"/>
+                </a:solidFill>
+              </a:rPr>
               <a:t>ceklist</a:t>
             </a:r>
             <a:r>
-              <a:rPr lang="en-US" dirty="0" smtClean="0"/>
+              <a:rPr lang="en-US" dirty="0" smtClean="0">
+                <a:solidFill>
+                  <a:srgbClr val="0070C0"/>
+                </a:solidFill>
+              </a:rPr>
               <a:t> di MT06</a:t>
             </a:r>
           </a:p>
@@ -4300,7 +4719,7 @@
     </p:spTree>
     <p:extLst>
       <p:ext uri="{BB962C8B-B14F-4D97-AF65-F5344CB8AC3E}">
-        <p14:creationId xmlns:p14="http://schemas.microsoft.com/office/powerpoint/2010/main" xmlns="" val="1592579082"/>
+        <p14:creationId xmlns="" xmlns:p14="http://schemas.microsoft.com/office/powerpoint/2010/main" val="1592579082"/>
       </p:ext>
     </p:extLst>
   </p:cSld>
@@ -4343,38 +4762,92 @@
           <a:lstStyle/>
           <a:p>
             <a:r>
-              <a:rPr lang="en-US" dirty="0" err="1" smtClean="0"/>
+              <a:rPr lang="en-US" dirty="0" err="1" smtClean="0">
+                <a:solidFill>
+                  <a:schemeClr val="accent1">
+                    <a:lumMod val="50000"/>
+                  </a:schemeClr>
+                </a:solidFill>
+              </a:rPr>
               <a:t>Skema</a:t>
             </a:r>
             <a:r>
-              <a:rPr lang="en-US" dirty="0" smtClean="0"/>
+              <a:rPr lang="en-US" dirty="0" smtClean="0">
+                <a:solidFill>
+                  <a:schemeClr val="accent1">
+                    <a:lumMod val="50000"/>
+                  </a:schemeClr>
+                </a:solidFill>
+              </a:rPr>
               <a:t> 2 (MT06 </a:t>
             </a:r>
             <a:r>
-              <a:rPr lang="en-US" dirty="0" err="1" smtClean="0"/>
+              <a:rPr lang="en-US" dirty="0" err="1" smtClean="0">
+                <a:solidFill>
+                  <a:schemeClr val="accent1">
+                    <a:lumMod val="50000"/>
+                  </a:schemeClr>
+                </a:solidFill>
+              </a:rPr>
               <a:t>ceklist</a:t>
             </a:r>
             <a:r>
-              <a:rPr lang="en-US" dirty="0" smtClean="0"/>
-              <a:t> </a:t>
-            </a:r>
-            <a:r>
-              <a:rPr lang="en-US" dirty="0" err="1" smtClean="0"/>
+              <a:rPr lang="en-US" dirty="0" smtClean="0">
+                <a:solidFill>
+                  <a:schemeClr val="accent1">
+                    <a:lumMod val="50000"/>
+                  </a:schemeClr>
+                </a:solidFill>
+              </a:rPr>
+              <a:t> </a:t>
+            </a:r>
+            <a:r>
+              <a:rPr lang="en-US" dirty="0" err="1" smtClean="0">
+                <a:solidFill>
+                  <a:schemeClr val="accent1">
+                    <a:lumMod val="50000"/>
+                  </a:schemeClr>
+                </a:solidFill>
+              </a:rPr>
               <a:t>virologi</a:t>
             </a:r>
             <a:r>
-              <a:rPr lang="en-US" dirty="0" smtClean="0"/>
-              <a:t> </a:t>
-            </a:r>
-            <a:r>
-              <a:rPr lang="en-US" dirty="0" err="1" smtClean="0"/>
+              <a:rPr lang="en-US" dirty="0" smtClean="0">
+                <a:solidFill>
+                  <a:schemeClr val="accent1">
+                    <a:lumMod val="50000"/>
+                  </a:schemeClr>
+                </a:solidFill>
+              </a:rPr>
+              <a:t> </a:t>
+            </a:r>
+            <a:r>
+              <a:rPr lang="en-US" dirty="0" err="1" smtClean="0">
+                <a:solidFill>
+                  <a:schemeClr val="accent1">
+                    <a:lumMod val="50000"/>
+                  </a:schemeClr>
+                </a:solidFill>
+              </a:rPr>
               <a:t>saja</a:t>
             </a:r>
             <a:r>
-              <a:rPr lang="en-US" dirty="0" smtClean="0"/>
+              <a:rPr lang="en-US" dirty="0" smtClean="0">
+                <a:solidFill>
+                  <a:schemeClr val="accent1">
+                    <a:lumMod val="50000"/>
+                  </a:schemeClr>
+                </a:solidFill>
+              </a:rPr>
               <a:t>)</a:t>
             </a:r>
-            <a:endParaRPr lang="en-US" dirty="0"/>
+            <a:endParaRPr lang="en-US" dirty="0">
+              <a:solidFill>
+                <a:schemeClr val="accent1">
+                  <a:lumMod val="50000"/>
+                </a:schemeClr>
+              </a:solidFill>
+            </a:endParaRPr>
           </a:p>
         </p:txBody>
       </p:sp>
@@ -4391,7 +4864,7 @@
         <p:spPr/>
         <p:txBody>
           <a:bodyPr>
-            <a:normAutofit fontScale="70000" lnSpcReduction="20000"/>
+            <a:normAutofit fontScale="55000" lnSpcReduction="20000"/>
           </a:bodyPr>
           <a:lstStyle/>
           <a:p>
@@ -4420,77 +4893,244 @@
               <a:buNone/>
             </a:pPr>
             <a:r>
-              <a:rPr lang="en-US" dirty="0" smtClean="0"/>
+              <a:rPr lang="en-US" dirty="0" smtClean="0">
+                <a:solidFill>
+                  <a:schemeClr val="accent1">
+                    <a:lumMod val="50000"/>
+                  </a:schemeClr>
+                </a:solidFill>
+              </a:rPr>
               <a:t>Sample </a:t>
             </a:r>
             <a:r>
-              <a:rPr lang="en-US" dirty="0" err="1" smtClean="0"/>
+              <a:rPr lang="en-US" dirty="0" err="1" smtClean="0">
+                <a:solidFill>
+                  <a:schemeClr val="accent1">
+                    <a:lumMod val="50000"/>
+                  </a:schemeClr>
+                </a:solidFill>
+              </a:rPr>
               <a:t>muncul</a:t>
             </a:r>
             <a:r>
-              <a:rPr lang="en-US" dirty="0" smtClean="0"/>
+              <a:rPr lang="en-US" dirty="0" smtClean="0">
+                <a:solidFill>
+                  <a:schemeClr val="accent1">
+                    <a:lumMod val="50000"/>
+                  </a:schemeClr>
+                </a:solidFill>
+              </a:rPr>
               <a:t> di MT08B </a:t>
             </a:r>
             <a:r>
-              <a:rPr lang="en-US" dirty="0" err="1" smtClean="0"/>
+              <a:rPr lang="en-US" dirty="0" err="1" smtClean="0">
+                <a:solidFill>
+                  <a:schemeClr val="accent1">
+                    <a:lumMod val="50000"/>
+                  </a:schemeClr>
+                </a:solidFill>
+              </a:rPr>
               <a:t>lalu</a:t>
             </a:r>
             <a:r>
-              <a:rPr lang="en-US" dirty="0" smtClean="0"/>
+              <a:rPr lang="en-US" dirty="0" smtClean="0">
+                <a:solidFill>
+                  <a:schemeClr val="accent1">
+                    <a:lumMod val="50000"/>
+                  </a:schemeClr>
+                </a:solidFill>
+              </a:rPr>
               <a:t> form MT08B </a:t>
             </a:r>
             <a:r>
-              <a:rPr lang="en-US" dirty="0" err="1" smtClean="0"/>
+              <a:rPr lang="en-US" dirty="0" err="1" smtClean="0">
+                <a:solidFill>
+                  <a:schemeClr val="accent1">
+                    <a:lumMod val="50000"/>
+                  </a:schemeClr>
+                </a:solidFill>
+              </a:rPr>
               <a:t>diisi</a:t>
             </a:r>
             <a:r>
-              <a:rPr lang="en-US" dirty="0" smtClean="0"/>
-              <a:t> </a:t>
-            </a:r>
-            <a:r>
-              <a:rPr lang="en-US" dirty="0" err="1" smtClean="0"/>
+              <a:rPr lang="en-US" dirty="0" smtClean="0">
+                <a:solidFill>
+                  <a:schemeClr val="accent1">
+                    <a:lumMod val="50000"/>
+                  </a:schemeClr>
+                </a:solidFill>
+              </a:rPr>
+              <a:t> </a:t>
+            </a:r>
+            <a:r>
+              <a:rPr lang="en-US" dirty="0" err="1" smtClean="0">
+                <a:solidFill>
+                  <a:schemeClr val="accent1">
+                    <a:lumMod val="50000"/>
+                  </a:schemeClr>
+                </a:solidFill>
+              </a:rPr>
               <a:t>oleh</a:t>
             </a:r>
             <a:r>
-              <a:rPr lang="en-US" dirty="0" smtClean="0"/>
+              <a:rPr lang="en-US" dirty="0" smtClean="0">
+                <a:solidFill>
+                  <a:schemeClr val="accent1">
+                    <a:lumMod val="50000"/>
+                  </a:schemeClr>
+                </a:solidFill>
+              </a:rPr>
               <a:t> admin virology-&gt;QA approved-&gt;</a:t>
             </a:r>
             <a:r>
-              <a:rPr lang="en-US" dirty="0" err="1" smtClean="0"/>
+              <a:rPr lang="en-US" dirty="0" err="1" smtClean="0">
+                <a:solidFill>
+                  <a:schemeClr val="accent1">
+                    <a:lumMod val="50000"/>
+                  </a:schemeClr>
+                </a:solidFill>
+              </a:rPr>
               <a:t>yanji</a:t>
             </a:r>
             <a:r>
-              <a:rPr lang="en-US" dirty="0" smtClean="0"/>
+              <a:rPr lang="en-US" dirty="0" smtClean="0">
+                <a:solidFill>
+                  <a:schemeClr val="accent1">
+                    <a:lumMod val="50000"/>
+                  </a:schemeClr>
+                </a:solidFill>
+              </a:rPr>
               <a:t> approved-&gt;</a:t>
             </a:r>
             <a:r>
-              <a:rPr lang="en-US" dirty="0" err="1" smtClean="0"/>
+              <a:rPr lang="en-US" dirty="0" err="1" smtClean="0">
+                <a:solidFill>
+                  <a:schemeClr val="accent1">
+                    <a:lumMod val="50000"/>
+                  </a:schemeClr>
+                </a:solidFill>
+              </a:rPr>
               <a:t>yanji</a:t>
             </a:r>
             <a:r>
-              <a:rPr lang="en-US" dirty="0" smtClean="0"/>
-              <a:t> </a:t>
-            </a:r>
-            <a:r>
-              <a:rPr lang="en-US" dirty="0" err="1" smtClean="0"/>
+              <a:rPr lang="en-US" dirty="0" smtClean="0">
+                <a:solidFill>
+                  <a:schemeClr val="accent1">
+                    <a:lumMod val="50000"/>
+                  </a:schemeClr>
+                </a:solidFill>
+              </a:rPr>
+              <a:t> </a:t>
+            </a:r>
+            <a:r>
+              <a:rPr lang="en-US" dirty="0" err="1" smtClean="0">
+                <a:solidFill>
+                  <a:schemeClr val="accent1">
+                    <a:lumMod val="50000"/>
+                  </a:schemeClr>
+                </a:solidFill>
+              </a:rPr>
               <a:t>bisa</a:t>
             </a:r>
             <a:r>
-              <a:rPr lang="en-US" dirty="0" smtClean="0"/>
-              <a:t> </a:t>
-            </a:r>
-            <a:r>
-              <a:rPr lang="en-US" dirty="0" err="1" smtClean="0"/>
+              <a:rPr lang="en-US" dirty="0" smtClean="0">
+                <a:solidFill>
+                  <a:schemeClr val="accent1">
+                    <a:lumMod val="50000"/>
+                  </a:schemeClr>
+                </a:solidFill>
+              </a:rPr>
+              <a:t> </a:t>
+            </a:r>
+            <a:r>
+              <a:rPr lang="en-US" dirty="0" err="1" smtClean="0">
+                <a:solidFill>
+                  <a:schemeClr val="accent1">
+                    <a:lumMod val="50000"/>
+                  </a:schemeClr>
+                </a:solidFill>
+              </a:rPr>
               <a:t>membuat</a:t>
             </a:r>
             <a:r>
-              <a:rPr lang="en-US" dirty="0" smtClean="0"/>
-              <a:t> </a:t>
-            </a:r>
-            <a:r>
-              <a:rPr lang="en-US" dirty="0" err="1" smtClean="0"/>
+              <a:rPr lang="en-US" dirty="0" smtClean="0">
+                <a:solidFill>
+                  <a:schemeClr val="accent1">
+                    <a:lumMod val="50000"/>
+                  </a:schemeClr>
+                </a:solidFill>
+              </a:rPr>
+              <a:t> </a:t>
+            </a:r>
+            <a:r>
+              <a:rPr lang="en-US" dirty="0" err="1" smtClean="0">
+                <a:solidFill>
+                  <a:schemeClr val="accent1">
+                    <a:lumMod val="50000"/>
+                  </a:schemeClr>
+                </a:solidFill>
+              </a:rPr>
               <a:t>sertifikat</a:t>
             </a:r>
+            <a:endParaRPr lang="id-ID" dirty="0" smtClean="0">
+              <a:solidFill>
+                <a:schemeClr val="accent1">
+                  <a:lumMod val="50000"/>
+                </a:schemeClr>
+              </a:solidFill>
+            </a:endParaRPr>
+          </a:p>
+          <a:p>
+            <a:pPr marL="0" indent="0">
+              <a:buNone/>
+            </a:pPr>
+            <a:endParaRPr lang="id-ID" dirty="0" smtClean="0"/>
+          </a:p>
+          <a:p>
+            <a:pPr marL="0" indent="0">
+              <a:buNone/>
+            </a:pPr>
+            <a:r>
+              <a:rPr lang="id-ID" dirty="0" smtClean="0">
+                <a:solidFill>
+                  <a:srgbClr val="00B050"/>
+                </a:solidFill>
+              </a:rPr>
+              <a:t>Approve bebas, bisa yanji dulu atau qa dlu</a:t>
+            </a:r>
+          </a:p>
+          <a:p>
+            <a:pPr marL="0" indent="0">
+              <a:buNone/>
+            </a:pPr>
+            <a:r>
+              <a:rPr lang="id-ID" dirty="0" smtClean="0">
+                <a:solidFill>
+                  <a:srgbClr val="00B050"/>
+                </a:solidFill>
+              </a:rPr>
+              <a:t>Contoh : </a:t>
+            </a:r>
+            <a:r>
+              <a:rPr lang="id-ID" dirty="0" smtClean="0"/>
+              <a:t>R00015</a:t>
+            </a:r>
+            <a:endParaRPr lang="en-US" dirty="0" smtClean="0">
+              <a:solidFill>
+                <a:srgbClr val="00B050"/>
+              </a:solidFill>
+            </a:endParaRPr>
+          </a:p>
+          <a:p>
+            <a:pPr marL="0" indent="0">
+              <a:buNone/>
+            </a:pPr>
+            <a:endParaRPr lang="id-ID" dirty="0" smtClean="0"/>
+          </a:p>
+          <a:p>
+            <a:pPr marL="0" indent="0">
+              <a:buNone/>
+            </a:pPr>
             <a:endParaRPr lang="en-US" dirty="0" smtClean="0"/>
           </a:p>
           <a:p>
@@ -4935,7 +5575,7 @@
     </p:spTree>
     <p:extLst>
       <p:ext uri="{BB962C8B-B14F-4D97-AF65-F5344CB8AC3E}">
-        <p14:creationId xmlns:p14="http://schemas.microsoft.com/office/powerpoint/2010/main" xmlns="" val="1370210241"/>
+        <p14:creationId xmlns="" xmlns:p14="http://schemas.microsoft.com/office/powerpoint/2010/main" val="1370210241"/>
       </p:ext>
     </p:extLst>
   </p:cSld>
@@ -4978,46 +5618,112 @@
           <a:lstStyle/>
           <a:p>
             <a:r>
-              <a:rPr lang="en-US" dirty="0" err="1" smtClean="0"/>
+              <a:rPr lang="en-US" dirty="0" err="1" smtClean="0">
+                <a:solidFill>
+                  <a:schemeClr val="accent1">
+                    <a:lumMod val="50000"/>
+                  </a:schemeClr>
+                </a:solidFill>
+              </a:rPr>
               <a:t>Skema</a:t>
             </a:r>
             <a:r>
-              <a:rPr lang="en-US" dirty="0" smtClean="0"/>
+              <a:rPr lang="en-US" dirty="0" smtClean="0">
+                <a:solidFill>
+                  <a:schemeClr val="accent1">
+                    <a:lumMod val="50000"/>
+                  </a:schemeClr>
+                </a:solidFill>
+              </a:rPr>
               <a:t> 3 (MT06 </a:t>
             </a:r>
             <a:r>
-              <a:rPr lang="en-US" dirty="0" err="1" smtClean="0"/>
+              <a:rPr lang="en-US" dirty="0" err="1" smtClean="0">
+                <a:solidFill>
+                  <a:schemeClr val="accent1">
+                    <a:lumMod val="50000"/>
+                  </a:schemeClr>
+                </a:solidFill>
+              </a:rPr>
               <a:t>ceklist</a:t>
             </a:r>
             <a:r>
-              <a:rPr lang="en-US" dirty="0" smtClean="0"/>
-              <a:t> </a:t>
-            </a:r>
-            <a:r>
-              <a:rPr lang="en-US" dirty="0" err="1" smtClean="0"/>
+              <a:rPr lang="en-US" dirty="0" smtClean="0">
+                <a:solidFill>
+                  <a:schemeClr val="accent1">
+                    <a:lumMod val="50000"/>
+                  </a:schemeClr>
+                </a:solidFill>
+              </a:rPr>
+              <a:t> </a:t>
+            </a:r>
+            <a:r>
+              <a:rPr lang="en-US" dirty="0" err="1" smtClean="0">
+                <a:solidFill>
+                  <a:schemeClr val="accent1">
+                    <a:lumMod val="50000"/>
+                  </a:schemeClr>
+                </a:solidFill>
+              </a:rPr>
               <a:t>bakteriologi</a:t>
             </a:r>
             <a:r>
-              <a:rPr lang="en-US" dirty="0" smtClean="0"/>
-              <a:t> </a:t>
-            </a:r>
-            <a:r>
-              <a:rPr lang="en-US" dirty="0" err="1" smtClean="0"/>
+              <a:rPr lang="en-US" dirty="0" smtClean="0">
+                <a:solidFill>
+                  <a:schemeClr val="accent1">
+                    <a:lumMod val="50000"/>
+                  </a:schemeClr>
+                </a:solidFill>
+              </a:rPr>
+              <a:t> </a:t>
+            </a:r>
+            <a:r>
+              <a:rPr lang="en-US" dirty="0" err="1" smtClean="0">
+                <a:solidFill>
+                  <a:schemeClr val="accent1">
+                    <a:lumMod val="50000"/>
+                  </a:schemeClr>
+                </a:solidFill>
+              </a:rPr>
               <a:t>dan</a:t>
             </a:r>
             <a:r>
-              <a:rPr lang="en-US" dirty="0" smtClean="0"/>
-              <a:t> </a:t>
-            </a:r>
-            <a:r>
-              <a:rPr lang="en-US" dirty="0" err="1" smtClean="0"/>
+              <a:rPr lang="en-US" dirty="0" smtClean="0">
+                <a:solidFill>
+                  <a:schemeClr val="accent1">
+                    <a:lumMod val="50000"/>
+                  </a:schemeClr>
+                </a:solidFill>
+              </a:rPr>
+              <a:t> </a:t>
+            </a:r>
+            <a:r>
+              <a:rPr lang="en-US" dirty="0" err="1" smtClean="0">
+                <a:solidFill>
+                  <a:schemeClr val="accent1">
+                    <a:lumMod val="50000"/>
+                  </a:schemeClr>
+                </a:solidFill>
+              </a:rPr>
               <a:t>farmasetik</a:t>
             </a:r>
             <a:r>
-              <a:rPr lang="en-US" dirty="0" smtClean="0"/>
+              <a:rPr lang="en-US" dirty="0" smtClean="0">
+                <a:solidFill>
+                  <a:schemeClr val="accent1">
+                    <a:lumMod val="50000"/>
+                  </a:schemeClr>
+                </a:solidFill>
+              </a:rPr>
               <a:t>)</a:t>
             </a:r>
-            <a:endParaRPr lang="en-US" dirty="0"/>
+            <a:endParaRPr lang="en-US" dirty="0">
+              <a:solidFill>
+                <a:schemeClr val="accent1">
+                  <a:lumMod val="50000"/>
+                </a:schemeClr>
+              </a:solidFill>
+            </a:endParaRPr>
           </a:p>
         </p:txBody>
       </p:sp>
@@ -5034,7 +5740,7 @@
         <p:spPr/>
         <p:txBody>
           <a:bodyPr>
-            <a:normAutofit fontScale="70000" lnSpcReduction="20000"/>
+            <a:normAutofit fontScale="55000" lnSpcReduction="20000"/>
           </a:bodyPr>
           <a:lstStyle/>
           <a:p>
@@ -5063,142 +5769,399 @@
               <a:buNone/>
             </a:pPr>
             <a:r>
-              <a:rPr lang="en-US" dirty="0" smtClean="0"/>
+              <a:rPr lang="en-US" dirty="0" smtClean="0">
+                <a:solidFill>
+                  <a:schemeClr val="accent1">
+                    <a:lumMod val="50000"/>
+                  </a:schemeClr>
+                </a:solidFill>
+              </a:rPr>
               <a:t>Sample </a:t>
             </a:r>
             <a:r>
-              <a:rPr lang="en-US" dirty="0" err="1" smtClean="0"/>
+              <a:rPr lang="en-US" dirty="0" err="1" smtClean="0">
+                <a:solidFill>
+                  <a:schemeClr val="accent1">
+                    <a:lumMod val="50000"/>
+                  </a:schemeClr>
+                </a:solidFill>
+              </a:rPr>
               <a:t>muncul</a:t>
             </a:r>
             <a:r>
-              <a:rPr lang="en-US" dirty="0" smtClean="0"/>
+              <a:rPr lang="en-US" dirty="0" smtClean="0">
+                <a:solidFill>
+                  <a:schemeClr val="accent1">
+                    <a:lumMod val="50000"/>
+                  </a:schemeClr>
+                </a:solidFill>
+              </a:rPr>
               <a:t> di MT08A </a:t>
             </a:r>
             <a:r>
-              <a:rPr lang="en-US" dirty="0" err="1" smtClean="0"/>
+              <a:rPr lang="en-US" dirty="0" err="1" smtClean="0">
+                <a:solidFill>
+                  <a:schemeClr val="accent1">
+                    <a:lumMod val="50000"/>
+                  </a:schemeClr>
+                </a:solidFill>
+              </a:rPr>
               <a:t>lalu</a:t>
             </a:r>
             <a:r>
-              <a:rPr lang="en-US" dirty="0" smtClean="0"/>
+              <a:rPr lang="en-US" dirty="0" smtClean="0">
+                <a:solidFill>
+                  <a:schemeClr val="accent1">
+                    <a:lumMod val="50000"/>
+                  </a:schemeClr>
+                </a:solidFill>
+              </a:rPr>
               <a:t> form MT08A </a:t>
             </a:r>
             <a:r>
-              <a:rPr lang="en-US" dirty="0" err="1" smtClean="0"/>
+              <a:rPr lang="en-US" dirty="0" err="1" smtClean="0">
+                <a:solidFill>
+                  <a:schemeClr val="accent1">
+                    <a:lumMod val="50000"/>
+                  </a:schemeClr>
+                </a:solidFill>
+              </a:rPr>
               <a:t>diisi</a:t>
             </a:r>
             <a:r>
-              <a:rPr lang="en-US" dirty="0" smtClean="0"/>
-              <a:t> </a:t>
-            </a:r>
-            <a:r>
-              <a:rPr lang="en-US" dirty="0" err="1" smtClean="0"/>
+              <a:rPr lang="en-US" dirty="0" smtClean="0">
+                <a:solidFill>
+                  <a:schemeClr val="accent1">
+                    <a:lumMod val="50000"/>
+                  </a:schemeClr>
+                </a:solidFill>
+              </a:rPr>
+              <a:t> </a:t>
+            </a:r>
+            <a:r>
+              <a:rPr lang="en-US" dirty="0" err="1" smtClean="0">
+                <a:solidFill>
+                  <a:schemeClr val="accent1">
+                    <a:lumMod val="50000"/>
+                  </a:schemeClr>
+                </a:solidFill>
+              </a:rPr>
               <a:t>oleh</a:t>
             </a:r>
             <a:r>
-              <a:rPr lang="en-US" dirty="0" smtClean="0"/>
+              <a:rPr lang="en-US" dirty="0" smtClean="0">
+                <a:solidFill>
+                  <a:schemeClr val="accent1">
+                    <a:lumMod val="50000"/>
+                  </a:schemeClr>
+                </a:solidFill>
+              </a:rPr>
               <a:t> admin </a:t>
             </a:r>
             <a:r>
-              <a:rPr lang="en-US" dirty="0" err="1" smtClean="0"/>
+              <a:rPr lang="en-US" dirty="0" err="1" smtClean="0">
+                <a:solidFill>
+                  <a:schemeClr val="accent1">
+                    <a:lumMod val="50000"/>
+                  </a:schemeClr>
+                </a:solidFill>
+              </a:rPr>
               <a:t>bakteriologi</a:t>
             </a:r>
             <a:r>
-              <a:rPr lang="en-US" dirty="0" smtClean="0"/>
+              <a:rPr lang="en-US" dirty="0" smtClean="0">
+                <a:solidFill>
+                  <a:schemeClr val="accent1">
+                    <a:lumMod val="50000"/>
+                  </a:schemeClr>
+                </a:solidFill>
+              </a:rPr>
               <a:t> (biologic) -&gt; Sample </a:t>
             </a:r>
             <a:r>
-              <a:rPr lang="en-US" dirty="0" err="1" smtClean="0"/>
+              <a:rPr lang="en-US" dirty="0" err="1" smtClean="0">
+                <a:solidFill>
+                  <a:schemeClr val="accent1">
+                    <a:lumMod val="50000"/>
+                  </a:schemeClr>
+                </a:solidFill>
+              </a:rPr>
               <a:t>muncul</a:t>
             </a:r>
             <a:r>
-              <a:rPr lang="en-US" dirty="0" smtClean="0"/>
+              <a:rPr lang="en-US" dirty="0" smtClean="0">
+                <a:solidFill>
+                  <a:schemeClr val="accent1">
+                    <a:lumMod val="50000"/>
+                  </a:schemeClr>
+                </a:solidFill>
+              </a:rPr>
               <a:t> di MT9 </a:t>
             </a:r>
             <a:r>
-              <a:rPr lang="en-US" dirty="0" err="1" smtClean="0"/>
+              <a:rPr lang="en-US" dirty="0" err="1" smtClean="0">
+                <a:solidFill>
+                  <a:schemeClr val="accent1">
+                    <a:lumMod val="50000"/>
+                  </a:schemeClr>
+                </a:solidFill>
+              </a:rPr>
               <a:t>lalu</a:t>
             </a:r>
             <a:r>
-              <a:rPr lang="en-US" dirty="0" smtClean="0"/>
+              <a:rPr lang="en-US" dirty="0" smtClean="0">
+                <a:solidFill>
+                  <a:schemeClr val="accent1">
+                    <a:lumMod val="50000"/>
+                  </a:schemeClr>
+                </a:solidFill>
+              </a:rPr>
               <a:t> form MT9 </a:t>
             </a:r>
             <a:r>
-              <a:rPr lang="en-US" dirty="0" err="1" smtClean="0"/>
+              <a:rPr lang="en-US" dirty="0" err="1" smtClean="0">
+                <a:solidFill>
+                  <a:schemeClr val="accent1">
+                    <a:lumMod val="50000"/>
+                  </a:schemeClr>
+                </a:solidFill>
+              </a:rPr>
               <a:t>diisi</a:t>
             </a:r>
             <a:r>
-              <a:rPr lang="en-US" dirty="0" smtClean="0"/>
-              <a:t> </a:t>
-            </a:r>
-            <a:r>
-              <a:rPr lang="en-US" dirty="0" err="1" smtClean="0"/>
+              <a:rPr lang="en-US" dirty="0" smtClean="0">
+                <a:solidFill>
+                  <a:schemeClr val="accent1">
+                    <a:lumMod val="50000"/>
+                  </a:schemeClr>
+                </a:solidFill>
+              </a:rPr>
+              <a:t> </a:t>
+            </a:r>
+            <a:r>
+              <a:rPr lang="en-US" dirty="0" err="1" smtClean="0">
+                <a:solidFill>
+                  <a:schemeClr val="accent1">
+                    <a:lumMod val="50000"/>
+                  </a:schemeClr>
+                </a:solidFill>
+              </a:rPr>
               <a:t>oleh</a:t>
             </a:r>
             <a:r>
-              <a:rPr lang="en-US" dirty="0" smtClean="0"/>
+              <a:rPr lang="en-US" dirty="0" smtClean="0">
+                <a:solidFill>
+                  <a:schemeClr val="accent1">
+                    <a:lumMod val="50000"/>
+                  </a:schemeClr>
+                </a:solidFill>
+              </a:rPr>
               <a:t> admin </a:t>
             </a:r>
             <a:r>
-              <a:rPr lang="en-US" dirty="0" err="1" smtClean="0"/>
+              <a:rPr lang="en-US" dirty="0" err="1" smtClean="0">
+                <a:solidFill>
+                  <a:schemeClr val="accent1">
+                    <a:lumMod val="50000"/>
+                  </a:schemeClr>
+                </a:solidFill>
+              </a:rPr>
               <a:t>farmasetik</a:t>
             </a:r>
             <a:r>
-              <a:rPr lang="en-US" dirty="0" smtClean="0"/>
+              <a:rPr lang="en-US" dirty="0" smtClean="0">
+                <a:solidFill>
+                  <a:schemeClr val="accent1">
+                    <a:lumMod val="50000"/>
+                  </a:schemeClr>
+                </a:solidFill>
+              </a:rPr>
               <a:t>-&gt; QA approved MT08A </a:t>
             </a:r>
             <a:r>
-              <a:rPr lang="en-US" dirty="0" err="1" smtClean="0"/>
+              <a:rPr lang="en-US" dirty="0" err="1" smtClean="0">
+                <a:solidFill>
+                  <a:schemeClr val="accent1">
+                    <a:lumMod val="50000"/>
+                  </a:schemeClr>
+                </a:solidFill>
+              </a:rPr>
               <a:t>dan</a:t>
             </a:r>
             <a:r>
-              <a:rPr lang="en-US" dirty="0" smtClean="0"/>
+              <a:rPr lang="en-US" dirty="0" smtClean="0">
+                <a:solidFill>
+                  <a:schemeClr val="accent1">
+                    <a:lumMod val="50000"/>
+                  </a:schemeClr>
+                </a:solidFill>
+              </a:rPr>
               <a:t> MT9-&gt; </a:t>
             </a:r>
             <a:r>
-              <a:rPr lang="en-US" dirty="0" err="1" smtClean="0"/>
+              <a:rPr lang="en-US" dirty="0" err="1" smtClean="0">
+                <a:solidFill>
+                  <a:schemeClr val="accent1">
+                    <a:lumMod val="50000"/>
+                  </a:schemeClr>
+                </a:solidFill>
+              </a:rPr>
               <a:t>yanji</a:t>
             </a:r>
             <a:r>
-              <a:rPr lang="en-US" dirty="0" smtClean="0"/>
+              <a:rPr lang="en-US" dirty="0" smtClean="0">
+                <a:solidFill>
+                  <a:schemeClr val="accent1">
+                    <a:lumMod val="50000"/>
+                  </a:schemeClr>
+                </a:solidFill>
+              </a:rPr>
               <a:t> approved  MT08A </a:t>
             </a:r>
             <a:r>
-              <a:rPr lang="en-US" dirty="0" err="1" smtClean="0"/>
+              <a:rPr lang="en-US" dirty="0" err="1" smtClean="0">
+                <a:solidFill>
+                  <a:schemeClr val="accent1">
+                    <a:lumMod val="50000"/>
+                  </a:schemeClr>
+                </a:solidFill>
+              </a:rPr>
               <a:t>dan</a:t>
             </a:r>
             <a:r>
-              <a:rPr lang="en-US" dirty="0" smtClean="0"/>
+              <a:rPr lang="en-US" dirty="0" smtClean="0">
+                <a:solidFill>
+                  <a:schemeClr val="accent1">
+                    <a:lumMod val="50000"/>
+                  </a:schemeClr>
+                </a:solidFill>
+              </a:rPr>
               <a:t> MT9 -&gt; </a:t>
             </a:r>
             <a:r>
-              <a:rPr lang="en-US" dirty="0" err="1" smtClean="0"/>
+              <a:rPr lang="en-US" dirty="0" err="1" smtClean="0">
+                <a:solidFill>
+                  <a:schemeClr val="accent1">
+                    <a:lumMod val="50000"/>
+                  </a:schemeClr>
+                </a:solidFill>
+              </a:rPr>
               <a:t>yanji</a:t>
             </a:r>
             <a:r>
-              <a:rPr lang="en-US" dirty="0" smtClean="0"/>
-              <a:t> </a:t>
-            </a:r>
-            <a:r>
-              <a:rPr lang="en-US" dirty="0" err="1" smtClean="0"/>
+              <a:rPr lang="en-US" dirty="0" smtClean="0">
+                <a:solidFill>
+                  <a:schemeClr val="accent1">
+                    <a:lumMod val="50000"/>
+                  </a:schemeClr>
+                </a:solidFill>
+              </a:rPr>
+              <a:t> </a:t>
+            </a:r>
+            <a:r>
+              <a:rPr lang="en-US" dirty="0" err="1" smtClean="0">
+                <a:solidFill>
+                  <a:schemeClr val="accent1">
+                    <a:lumMod val="50000"/>
+                  </a:schemeClr>
+                </a:solidFill>
+              </a:rPr>
               <a:t>bisa</a:t>
             </a:r>
             <a:r>
-              <a:rPr lang="en-US" dirty="0" smtClean="0"/>
-              <a:t> </a:t>
-            </a:r>
-            <a:r>
-              <a:rPr lang="en-US" dirty="0" err="1" smtClean="0"/>
+              <a:rPr lang="en-US" dirty="0" smtClean="0">
+                <a:solidFill>
+                  <a:schemeClr val="accent1">
+                    <a:lumMod val="50000"/>
+                  </a:schemeClr>
+                </a:solidFill>
+              </a:rPr>
+              <a:t> </a:t>
+            </a:r>
+            <a:r>
+              <a:rPr lang="en-US" dirty="0" err="1" smtClean="0">
+                <a:solidFill>
+                  <a:schemeClr val="accent1">
+                    <a:lumMod val="50000"/>
+                  </a:schemeClr>
+                </a:solidFill>
+              </a:rPr>
               <a:t>membuat</a:t>
             </a:r>
             <a:r>
-              <a:rPr lang="en-US" dirty="0" smtClean="0"/>
-              <a:t> </a:t>
-            </a:r>
-            <a:r>
-              <a:rPr lang="en-US" dirty="0" err="1" smtClean="0"/>
+              <a:rPr lang="en-US" dirty="0" smtClean="0">
+                <a:solidFill>
+                  <a:schemeClr val="accent1">
+                    <a:lumMod val="50000"/>
+                  </a:schemeClr>
+                </a:solidFill>
+              </a:rPr>
+              <a:t> </a:t>
+            </a:r>
+            <a:r>
+              <a:rPr lang="en-US" dirty="0" err="1" smtClean="0">
+                <a:solidFill>
+                  <a:schemeClr val="accent1">
+                    <a:lumMod val="50000"/>
+                  </a:schemeClr>
+                </a:solidFill>
+              </a:rPr>
               <a:t>sertifikat</a:t>
             </a:r>
-            <a:endParaRPr lang="en-US" dirty="0" smtClean="0"/>
+            <a:endParaRPr lang="id-ID" dirty="0" smtClean="0">
+              <a:solidFill>
+                <a:schemeClr val="accent1">
+                  <a:lumMod val="50000"/>
+                </a:schemeClr>
+              </a:solidFill>
+            </a:endParaRPr>
+          </a:p>
+          <a:p>
+            <a:pPr marL="0" indent="0">
+              <a:buNone/>
+            </a:pPr>
+            <a:r>
+              <a:rPr lang="id-ID" dirty="0" smtClean="0">
+                <a:solidFill>
+                  <a:srgbClr val="00B050"/>
+                </a:solidFill>
+              </a:rPr>
+              <a:t>Approve bebas, bisa yanji dulu atau qa dlu</a:t>
+            </a:r>
+          </a:p>
+          <a:p>
+            <a:pPr marL="0" indent="0">
+              <a:buNone/>
+            </a:pPr>
+            <a:r>
+              <a:rPr lang="id-ID" dirty="0" smtClean="0">
+                <a:solidFill>
+                  <a:srgbClr val="00B050"/>
+                </a:solidFill>
+              </a:rPr>
+              <a:t>Contoh : </a:t>
+            </a:r>
+            <a:r>
+              <a:rPr lang="id-ID" dirty="0" smtClean="0"/>
+              <a:t>R00015</a:t>
+            </a:r>
+            <a:endParaRPr lang="en-US" dirty="0" smtClean="0">
+              <a:solidFill>
+                <a:srgbClr val="00B050"/>
+              </a:solidFill>
+            </a:endParaRPr>
+          </a:p>
+          <a:p>
+            <a:pPr marL="0" indent="0">
+              <a:buNone/>
+            </a:pPr>
+            <a:endParaRPr lang="en-US" dirty="0" smtClean="0">
+              <a:solidFill>
+                <a:schemeClr val="accent1">
+                  <a:lumMod val="50000"/>
+                </a:schemeClr>
+              </a:solidFill>
+            </a:endParaRPr>
           </a:p>
           <a:p>
             <a:pPr marL="0" indent="0">
@@ -5666,7 +6629,7 @@
     </p:spTree>
     <p:extLst>
       <p:ext uri="{BB962C8B-B14F-4D97-AF65-F5344CB8AC3E}">
-        <p14:creationId xmlns:p14="http://schemas.microsoft.com/office/powerpoint/2010/main" xmlns="" val="1796273579"/>
+        <p14:creationId xmlns="" xmlns:p14="http://schemas.microsoft.com/office/powerpoint/2010/main" val="1796273579"/>
       </p:ext>
     </p:extLst>
   </p:cSld>
@@ -5709,30 +6672,72 @@
           <a:lstStyle/>
           <a:p>
             <a:r>
-              <a:rPr lang="en-US" dirty="0" err="1" smtClean="0"/>
+              <a:rPr lang="en-US" dirty="0" err="1" smtClean="0">
+                <a:solidFill>
+                  <a:schemeClr val="accent1">
+                    <a:lumMod val="50000"/>
+                  </a:schemeClr>
+                </a:solidFill>
+              </a:rPr>
               <a:t>Pengisian</a:t>
             </a:r>
             <a:r>
-              <a:rPr lang="en-US" dirty="0" smtClean="0"/>
-              <a:t> </a:t>
-            </a:r>
-            <a:r>
-              <a:rPr lang="en-US" dirty="0" err="1" smtClean="0"/>
+              <a:rPr lang="en-US" dirty="0" smtClean="0">
+                <a:solidFill>
+                  <a:schemeClr val="accent1">
+                    <a:lumMod val="50000"/>
+                  </a:schemeClr>
+                </a:solidFill>
+              </a:rPr>
+              <a:t> </a:t>
+            </a:r>
+            <a:r>
+              <a:rPr lang="en-US" dirty="0" err="1" smtClean="0">
+                <a:solidFill>
+                  <a:schemeClr val="accent1">
+                    <a:lumMod val="50000"/>
+                  </a:schemeClr>
+                </a:solidFill>
+              </a:rPr>
               <a:t>Sertifikat</a:t>
             </a:r>
             <a:r>
-              <a:rPr lang="en-US" dirty="0" smtClean="0"/>
-              <a:t> </a:t>
-            </a:r>
-            <a:r>
-              <a:rPr lang="en-US" dirty="0" err="1" smtClean="0"/>
+              <a:rPr lang="en-US" dirty="0" smtClean="0">
+                <a:solidFill>
+                  <a:schemeClr val="accent1">
+                    <a:lumMod val="50000"/>
+                  </a:schemeClr>
+                </a:solidFill>
+              </a:rPr>
+              <a:t> </a:t>
+            </a:r>
+            <a:r>
+              <a:rPr lang="en-US" dirty="0" err="1" smtClean="0">
+                <a:solidFill>
+                  <a:schemeClr val="accent1">
+                    <a:lumMod val="50000"/>
+                  </a:schemeClr>
+                </a:solidFill>
+              </a:rPr>
               <a:t>halaman</a:t>
             </a:r>
             <a:r>
-              <a:rPr lang="en-US" dirty="0" smtClean="0"/>
+              <a:rPr lang="en-US" dirty="0" smtClean="0">
+                <a:solidFill>
+                  <a:schemeClr val="accent1">
+                    <a:lumMod val="50000"/>
+                  </a:schemeClr>
+                </a:solidFill>
+              </a:rPr>
               <a:t> 2</a:t>
             </a:r>
-            <a:endParaRPr lang="en-US" dirty="0"/>
+            <a:endParaRPr lang="en-US" dirty="0">
+              <a:solidFill>
+                <a:schemeClr val="accent1">
+                  <a:lumMod val="50000"/>
+                </a:schemeClr>
+              </a:solidFill>
+            </a:endParaRPr>
           </a:p>
         </p:txBody>
       </p:sp>
@@ -6594,7 +7599,7 @@
     </p:spTree>
     <p:extLst>
       <p:ext uri="{BB962C8B-B14F-4D97-AF65-F5344CB8AC3E}">
-        <p14:creationId xmlns:p14="http://schemas.microsoft.com/office/powerpoint/2010/main" xmlns="" val="1631363100"/>
+        <p14:creationId xmlns="" xmlns:p14="http://schemas.microsoft.com/office/powerpoint/2010/main" val="1631363100"/>
       </p:ext>
     </p:extLst>
   </p:cSld>
@@ -6633,38 +7638,95 @@
         </p:nvSpPr>
         <p:spPr/>
         <p:txBody>
-          <a:bodyPr/>
+          <a:bodyPr>
+            <a:normAutofit fontScale="90000"/>
+          </a:bodyPr>
           <a:lstStyle/>
           <a:p>
             <a:r>
-              <a:rPr lang="en-US" dirty="0" err="1" smtClean="0"/>
+              <a:rPr lang="en-US" dirty="0" err="1" smtClean="0">
+                <a:solidFill>
+                  <a:srgbClr val="00B0F0"/>
+                </a:solidFill>
+              </a:rPr>
               <a:t>Hasil</a:t>
             </a:r>
             <a:r>
-              <a:rPr lang="en-US" dirty="0" smtClean="0"/>
-              <a:t> </a:t>
-            </a:r>
-            <a:r>
-              <a:rPr lang="en-US" dirty="0" err="1" smtClean="0"/>
+              <a:rPr lang="en-US" dirty="0" smtClean="0">
+                <a:solidFill>
+                  <a:srgbClr val="00B0F0"/>
+                </a:solidFill>
+              </a:rPr>
+              <a:t> </a:t>
+            </a:r>
+            <a:r>
+              <a:rPr lang="en-US" dirty="0" err="1" smtClean="0">
+                <a:solidFill>
+                  <a:srgbClr val="00B0F0"/>
+                </a:solidFill>
+              </a:rPr>
               <a:t>Sertifikat</a:t>
             </a:r>
             <a:r>
-              <a:rPr lang="en-US" dirty="0" smtClean="0"/>
-              <a:t> </a:t>
-            </a:r>
-            <a:r>
-              <a:rPr lang="en-US" dirty="0" err="1" smtClean="0"/>
+              <a:rPr lang="en-US" dirty="0" smtClean="0">
+                <a:solidFill>
+                  <a:srgbClr val="00B0F0"/>
+                </a:solidFill>
+              </a:rPr>
+              <a:t> </a:t>
+            </a:r>
+            <a:r>
+              <a:rPr lang="en-US" dirty="0" err="1" smtClean="0">
+                <a:solidFill>
+                  <a:srgbClr val="00B0F0"/>
+                </a:solidFill>
+              </a:rPr>
               <a:t>halaman</a:t>
             </a:r>
             <a:r>
-              <a:rPr lang="en-US" dirty="0" smtClean="0"/>
+              <a:rPr lang="en-US" dirty="0" smtClean="0">
+                <a:solidFill>
+                  <a:srgbClr val="00B0F0"/>
+                </a:solidFill>
+              </a:rPr>
               <a:t> 2 yang </a:t>
             </a:r>
             <a:r>
-              <a:rPr lang="en-US" dirty="0" err="1" smtClean="0"/>
+              <a:rPr lang="en-US" dirty="0" err="1" smtClean="0">
+                <a:solidFill>
+                  <a:srgbClr val="00B0F0"/>
+                </a:solidFill>
+              </a:rPr>
               <a:t>diinginkan</a:t>
             </a:r>
-            <a:endParaRPr lang="en-US" dirty="0"/>
+            <a:r>
+              <a:rPr lang="id-ID" dirty="0" smtClean="0">
+                <a:solidFill>
+                  <a:srgbClr val="00B0F0"/>
+                </a:solidFill>
+              </a:rPr>
+              <a:t/>
+            </a:r>
+            <a:br>
+              <a:rPr lang="id-ID" dirty="0" smtClean="0">
+                <a:solidFill>
+                  <a:srgbClr val="00B0F0"/>
+                </a:solidFill>
+              </a:rPr>
+            </a:br>
+            <a:r>
+              <a:rPr lang="id-ID" dirty="0" smtClean="0">
+                <a:solidFill>
+                  <a:srgbClr val="92D050"/>
+                </a:solidFill>
+              </a:rPr>
+              <a:t>yang di print sertifikat sudah sesuai, hanya yang diinput di form, bisa null</a:t>
+            </a:r>
+            <a:endParaRPr lang="en-US" dirty="0">
+              <a:solidFill>
+                <a:srgbClr val="00B0F0"/>
+              </a:solidFill>
+            </a:endParaRPr>
           </a:p>
         </p:txBody>
       </p:sp>
@@ -7035,7 +8097,7 @@
     </p:spTree>
     <p:extLst>
       <p:ext uri="{BB962C8B-B14F-4D97-AF65-F5344CB8AC3E}">
-        <p14:creationId xmlns:p14="http://schemas.microsoft.com/office/powerpoint/2010/main" xmlns="" val="842997869"/>
+        <p14:creationId xmlns="" xmlns:p14="http://schemas.microsoft.com/office/powerpoint/2010/main" val="842997869"/>
       </p:ext>
     </p:extLst>
   </p:cSld>
@@ -8126,7 +9188,7 @@
     </p:spTree>
     <p:extLst>
       <p:ext uri="{BB962C8B-B14F-4D97-AF65-F5344CB8AC3E}">
-        <p14:creationId xmlns:p14="http://schemas.microsoft.com/office/powerpoint/2010/main" xmlns="" val="3953977138"/>
+        <p14:creationId xmlns="" xmlns:p14="http://schemas.microsoft.com/office/powerpoint/2010/main" val="3953977138"/>
       </p:ext>
     </p:extLst>
   </p:cSld>
@@ -8169,10 +9231,22 @@
           <a:lstStyle/>
           <a:p>
             <a:r>
-              <a:rPr lang="en-US" dirty="0" smtClean="0"/>
+              <a:rPr lang="en-US" dirty="0" smtClean="0">
+                <a:solidFill>
+                  <a:schemeClr val="accent1">
+                    <a:lumMod val="50000"/>
+                  </a:schemeClr>
+                </a:solidFill>
+              </a:rPr>
               <a:t>MT08a,MT08b,MT9 (admin lab)</a:t>
             </a:r>
-            <a:endParaRPr lang="en-US" dirty="0"/>
+            <a:endParaRPr lang="en-US" dirty="0">
+              <a:solidFill>
+                <a:schemeClr val="accent1">
+                  <a:lumMod val="50000"/>
+                </a:schemeClr>
+              </a:solidFill>
+            </a:endParaRPr>
           </a:p>
         </p:txBody>
       </p:sp>
@@ -8188,7 +9262,9 @@
         </p:nvSpPr>
         <p:spPr/>
         <p:txBody>
-          <a:bodyPr/>
+          <a:bodyPr>
+            <a:normAutofit fontScale="92500" lnSpcReduction="20000"/>
+          </a:bodyPr>
           <a:lstStyle/>
           <a:p>
             <a:r>
@@ -8457,11 +9533,86 @@
               </a:rPr>
               <a:t>yanji</a:t>
             </a:r>
-            <a:endParaRPr lang="en-US" dirty="0">
+            <a:endParaRPr lang="id-ID" dirty="0" smtClean="0">
               <a:solidFill>
                 <a:schemeClr val="accent1">
                   <a:lumMod val="75000"/>
                 </a:schemeClr>
+              </a:solidFill>
+            </a:endParaRPr>
+          </a:p>
+          <a:p>
+            <a:pPr marL="0" indent="0">
+              <a:buNone/>
+            </a:pPr>
+            <a:endParaRPr lang="id-ID" dirty="0" smtClean="0">
+              <a:solidFill>
+                <a:schemeClr val="accent1">
+                  <a:lumMod val="75000"/>
+                </a:schemeClr>
+              </a:solidFill>
+            </a:endParaRPr>
+          </a:p>
+          <a:p>
+            <a:pPr marL="0" indent="0">
+              <a:buNone/>
+            </a:pPr>
+            <a:endParaRPr lang="id-ID" dirty="0" smtClean="0">
+              <a:solidFill>
+                <a:srgbClr val="00B050"/>
+              </a:solidFill>
+            </a:endParaRPr>
+          </a:p>
+          <a:p>
+            <a:pPr marL="0" indent="0">
+              <a:buNone/>
+            </a:pPr>
+            <a:endParaRPr lang="id-ID" dirty="0" smtClean="0">
+              <a:solidFill>
+                <a:srgbClr val="00B050"/>
+              </a:solidFill>
+            </a:endParaRPr>
+          </a:p>
+          <a:p>
+            <a:pPr marL="0" indent="0">
+              <a:buNone/>
+            </a:pPr>
+            <a:r>
+              <a:rPr lang="id-ID" dirty="0" smtClean="0">
+                <a:solidFill>
+                  <a:srgbClr val="00B050"/>
+                </a:solidFill>
+              </a:rPr>
+              <a:t>Yanji : Untuk merubah status, kliknya buttin update, baru klik approve untuk ke sertifikat</a:t>
+            </a:r>
+          </a:p>
+          <a:p>
+            <a:pPr marL="0" indent="0">
+              <a:buNone/>
+            </a:pPr>
+            <a:endParaRPr lang="id-ID" dirty="0" smtClean="0">
+              <a:solidFill>
+                <a:srgbClr val="00B050"/>
+              </a:solidFill>
+            </a:endParaRPr>
+          </a:p>
+          <a:p>
+            <a:pPr marL="0" indent="0">
+              <a:buNone/>
+            </a:pPr>
+            <a:endParaRPr lang="id-ID" dirty="0" smtClean="0">
+              <a:solidFill>
+                <a:srgbClr val="00B050"/>
+              </a:solidFill>
+            </a:endParaRPr>
+          </a:p>
+          <a:p>
+            <a:pPr marL="0" indent="0">
+              <a:buNone/>
+            </a:pPr>
+            <a:endParaRPr lang="en-US" dirty="0">
+              <a:solidFill>
+                <a:srgbClr val="00B050"/>
               </a:solidFill>
             </a:endParaRPr>
           </a:p>
@@ -8483,7 +9634,7 @@
         <p:spPr>
           <a:xfrm>
             <a:off x="5667154" y="1825624"/>
-            <a:ext cx="5295014" cy="3833160"/>
+            <a:ext cx="4681532" cy="3389049"/>
           </a:xfrm>
           <a:prstGeom prst="rect">
             <a:avLst/>
@@ -8493,7 +9644,7 @@
     </p:spTree>
     <p:extLst>
       <p:ext uri="{BB962C8B-B14F-4D97-AF65-F5344CB8AC3E}">
-        <p14:creationId xmlns:p14="http://schemas.microsoft.com/office/powerpoint/2010/main" xmlns="" val="1687661840"/>
+        <p14:creationId xmlns="" xmlns:p14="http://schemas.microsoft.com/office/powerpoint/2010/main" val="1687661840"/>
       </p:ext>
     </p:extLst>
   </p:cSld>
@@ -8758,7 +9909,7 @@
   <a:extraClrSchemeLst/>
   <a:extLst>
     <a:ext uri="{05A4C25C-085E-4340-85A3-A5531E510DB2}">
-      <thm15:themeFamily xmlns:thm15="http://schemas.microsoft.com/office/thememl/2012/main" xmlns="" name="Office Theme" id="{62F939B6-93AF-4DB8-9C6B-D6C7DFDC589F}" vid="{4A3C46E8-61CC-4603-A589-7422A47A8E4A}"/>
+      <thm15:themeFamily xmlns="" xmlns:thm15="http://schemas.microsoft.com/office/thememl/2012/main" name="Office Theme" id="{62F939B6-93AF-4DB8-9C6B-D6C7DFDC589F}" vid="{4A3C46E8-61CC-4603-A589-7422A47A8E4A}"/>
     </a:ext>
   </a:extLst>
 </a:theme>
